--- a/Unsolved mystery of World.pptx
+++ b/Unsolved mystery of World.pptx
@@ -957,7 +957,7 @@
           <a:p>
             <a:fld id="{50993C64-AC31-48F0-A011-13A785185AC7}" type="datetimeFigureOut">
               <a:rPr lang="en-IN" smtClean="0"/>
-              <a:t>15-10-2025</a:t>
+              <a:t>20-11-2025</a:t>
             </a:fld>
             <a:endParaRPr lang="en-IN"/>
           </a:p>
@@ -1128,7 +1128,7 @@
           <a:p>
             <a:fld id="{50993C64-AC31-48F0-A011-13A785185AC7}" type="datetimeFigureOut">
               <a:rPr lang="en-IN" smtClean="0"/>
-              <a:t>15-10-2025</a:t>
+              <a:t>20-11-2025</a:t>
             </a:fld>
             <a:endParaRPr lang="en-IN"/>
           </a:p>
@@ -1309,7 +1309,7 @@
           <a:p>
             <a:fld id="{50993C64-AC31-48F0-A011-13A785185AC7}" type="datetimeFigureOut">
               <a:rPr lang="en-IN" smtClean="0"/>
-              <a:t>15-10-2025</a:t>
+              <a:t>20-11-2025</a:t>
             </a:fld>
             <a:endParaRPr lang="en-IN"/>
           </a:p>
@@ -1795,7 +1795,7 @@
           <a:p>
             <a:fld id="{50993C64-AC31-48F0-A011-13A785185AC7}" type="datetimeFigureOut">
               <a:rPr lang="en-IN" smtClean="0"/>
-              <a:t>15-10-2025</a:t>
+              <a:t>20-11-2025</a:t>
             </a:fld>
             <a:endParaRPr lang="en-IN"/>
           </a:p>
@@ -2042,7 +2042,7 @@
           <a:p>
             <a:fld id="{50993C64-AC31-48F0-A011-13A785185AC7}" type="datetimeFigureOut">
               <a:rPr lang="en-IN" smtClean="0"/>
-              <a:t>15-10-2025</a:t>
+              <a:t>20-11-2025</a:t>
             </a:fld>
             <a:endParaRPr lang="en-IN"/>
           </a:p>
@@ -2275,7 +2275,7 @@
           <a:p>
             <a:fld id="{50993C64-AC31-48F0-A011-13A785185AC7}" type="datetimeFigureOut">
               <a:rPr lang="en-IN" smtClean="0"/>
-              <a:t>15-10-2025</a:t>
+              <a:t>20-11-2025</a:t>
             </a:fld>
             <a:endParaRPr lang="en-IN"/>
           </a:p>
@@ -2643,7 +2643,7 @@
           <a:p>
             <a:fld id="{50993C64-AC31-48F0-A011-13A785185AC7}" type="datetimeFigureOut">
               <a:rPr lang="en-IN" smtClean="0"/>
-              <a:t>15-10-2025</a:t>
+              <a:t>20-11-2025</a:t>
             </a:fld>
             <a:endParaRPr lang="en-IN"/>
           </a:p>
@@ -2762,7 +2762,7 @@
           <a:p>
             <a:fld id="{50993C64-AC31-48F0-A011-13A785185AC7}" type="datetimeFigureOut">
               <a:rPr lang="en-IN" smtClean="0"/>
-              <a:t>15-10-2025</a:t>
+              <a:t>20-11-2025</a:t>
             </a:fld>
             <a:endParaRPr lang="en-IN"/>
           </a:p>
@@ -2858,7 +2858,7 @@
           <a:p>
             <a:fld id="{50993C64-AC31-48F0-A011-13A785185AC7}" type="datetimeFigureOut">
               <a:rPr lang="en-IN" smtClean="0"/>
-              <a:t>15-10-2025</a:t>
+              <a:t>20-11-2025</a:t>
             </a:fld>
             <a:endParaRPr lang="en-IN"/>
           </a:p>
@@ -3135,7 +3135,7 @@
           <a:p>
             <a:fld id="{50993C64-AC31-48F0-A011-13A785185AC7}" type="datetimeFigureOut">
               <a:rPr lang="en-IN" smtClean="0"/>
-              <a:t>15-10-2025</a:t>
+              <a:t>20-11-2025</a:t>
             </a:fld>
             <a:endParaRPr lang="en-IN"/>
           </a:p>
@@ -3393,7 +3393,7 @@
           <a:p>
             <a:fld id="{50993C64-AC31-48F0-A011-13A785185AC7}" type="datetimeFigureOut">
               <a:rPr lang="en-IN" smtClean="0"/>
-              <a:t>15-10-2025</a:t>
+              <a:t>20-11-2025</a:t>
             </a:fld>
             <a:endParaRPr lang="en-IN"/>
           </a:p>
@@ -3607,7 +3607,7 @@
           <a:p>
             <a:fld id="{50993C64-AC31-48F0-A011-13A785185AC7}" type="datetimeFigureOut">
               <a:rPr lang="en-IN" smtClean="0"/>
-              <a:t>15-10-2025</a:t>
+              <a:t>20-11-2025</a:t>
             </a:fld>
             <a:endParaRPr lang="en-IN"/>
           </a:p>
@@ -5150,7 +5150,7 @@
             </a:r>
             <a:r>
               <a:rPr lang="en-IN" sz="2400" b="1" dirty="0"/>
-              <a:t>supernatural</a:t>
+              <a:t>supernatural……</a:t>
             </a:r>
           </a:p>
         </p:txBody>
